--- a/디지털 숫자 도안.pptx
+++ b/디지털 숫자 도안.pptx
@@ -104,6 +104,11 @@
       </a:defRPr>
     </a:lvl9pPr>
   </p:defaultTextStyle>
+  <p:extLst>
+    <p:ext uri="{EFAFB233-063F-42B5-8137-9DF3F51BA10A}">
+      <p15:sldGuideLst xmlns:p15="http://schemas.microsoft.com/office/powerpoint/2012/main"/>
+    </p:ext>
+  </p:extLst>
 </p:presentation>
 </file>
 
@@ -149,10 +154,9 @@
           </a:lstStyle>
           <a:p>
             <a:r>
-              <a:rPr lang="ko-KR" altLang="en-US" smtClean="0"/>
+              <a:rPr lang="ko-KR" altLang="en-US"/>
               <a:t>마스터 제목 스타일 편집</a:t>
             </a:r>
-            <a:endParaRPr lang="ko-KR" altLang="en-US"/>
           </a:p>
         </p:txBody>
       </p:sp>
@@ -214,10 +218,9 @@
           </a:lstStyle>
           <a:p>
             <a:r>
-              <a:rPr lang="ko-KR" altLang="en-US" smtClean="0"/>
+              <a:rPr lang="ko-KR" altLang="en-US"/>
               <a:t>클릭하여 마스터 부제목 스타일 편집</a:t>
             </a:r>
-            <a:endParaRPr lang="ko-KR" altLang="en-US"/>
           </a:p>
         </p:txBody>
       </p:sp>
@@ -238,7 +241,7 @@
           <a:p>
             <a:fld id="{E814908E-AF34-423E-A8AA-D9B02B1A5782}" type="datetimeFigureOut">
               <a:rPr lang="ko-KR" altLang="en-US" smtClean="0"/>
-              <a:t>2020-02-29</a:t>
+              <a:t>2020-03-01</a:t>
             </a:fld>
             <a:endParaRPr lang="ko-KR" altLang="en-US"/>
           </a:p>
@@ -332,10 +335,9 @@
           <a:lstStyle/>
           <a:p>
             <a:r>
-              <a:rPr lang="ko-KR" altLang="en-US" smtClean="0"/>
+              <a:rPr lang="ko-KR" altLang="en-US"/>
               <a:t>마스터 제목 스타일 편집</a:t>
             </a:r>
-            <a:endParaRPr lang="ko-KR" altLang="en-US"/>
           </a:p>
         </p:txBody>
       </p:sp>
@@ -356,38 +358,37 @@
           <a:p>
             <a:pPr lvl="0"/>
             <a:r>
-              <a:rPr lang="ko-KR" altLang="en-US" smtClean="0"/>
+              <a:rPr lang="ko-KR" altLang="en-US"/>
               <a:t>마스터 텍스트 스타일 편집</a:t>
             </a:r>
           </a:p>
           <a:p>
             <a:pPr lvl="1"/>
             <a:r>
-              <a:rPr lang="ko-KR" altLang="en-US" smtClean="0"/>
+              <a:rPr lang="ko-KR" altLang="en-US"/>
               <a:t>둘째 수준</a:t>
             </a:r>
           </a:p>
           <a:p>
             <a:pPr lvl="2"/>
             <a:r>
-              <a:rPr lang="ko-KR" altLang="en-US" smtClean="0"/>
+              <a:rPr lang="ko-KR" altLang="en-US"/>
               <a:t>셋째 수준</a:t>
             </a:r>
           </a:p>
           <a:p>
             <a:pPr lvl="3"/>
             <a:r>
-              <a:rPr lang="ko-KR" altLang="en-US" smtClean="0"/>
+              <a:rPr lang="ko-KR" altLang="en-US"/>
               <a:t>넷째 수준</a:t>
             </a:r>
           </a:p>
           <a:p>
             <a:pPr lvl="4"/>
             <a:r>
-              <a:rPr lang="ko-KR" altLang="en-US" smtClean="0"/>
+              <a:rPr lang="ko-KR" altLang="en-US"/>
               <a:t>다섯째 수준</a:t>
             </a:r>
-            <a:endParaRPr lang="ko-KR" altLang="en-US"/>
           </a:p>
         </p:txBody>
       </p:sp>
@@ -408,7 +409,7 @@
           <a:p>
             <a:fld id="{E814908E-AF34-423E-A8AA-D9B02B1A5782}" type="datetimeFigureOut">
               <a:rPr lang="ko-KR" altLang="en-US" smtClean="0"/>
-              <a:t>2020-02-29</a:t>
+              <a:t>2020-03-01</a:t>
             </a:fld>
             <a:endParaRPr lang="ko-KR" altLang="en-US"/>
           </a:p>
@@ -507,10 +508,9 @@
           <a:lstStyle/>
           <a:p>
             <a:r>
-              <a:rPr lang="ko-KR" altLang="en-US" smtClean="0"/>
+              <a:rPr lang="ko-KR" altLang="en-US"/>
               <a:t>마스터 제목 스타일 편집</a:t>
             </a:r>
-            <a:endParaRPr lang="ko-KR" altLang="en-US"/>
           </a:p>
         </p:txBody>
       </p:sp>
@@ -536,38 +536,37 @@
           <a:p>
             <a:pPr lvl="0"/>
             <a:r>
-              <a:rPr lang="ko-KR" altLang="en-US" smtClean="0"/>
+              <a:rPr lang="ko-KR" altLang="en-US"/>
               <a:t>마스터 텍스트 스타일 편집</a:t>
             </a:r>
           </a:p>
           <a:p>
             <a:pPr lvl="1"/>
             <a:r>
-              <a:rPr lang="ko-KR" altLang="en-US" smtClean="0"/>
+              <a:rPr lang="ko-KR" altLang="en-US"/>
               <a:t>둘째 수준</a:t>
             </a:r>
           </a:p>
           <a:p>
             <a:pPr lvl="2"/>
             <a:r>
-              <a:rPr lang="ko-KR" altLang="en-US" smtClean="0"/>
+              <a:rPr lang="ko-KR" altLang="en-US"/>
               <a:t>셋째 수준</a:t>
             </a:r>
           </a:p>
           <a:p>
             <a:pPr lvl="3"/>
             <a:r>
-              <a:rPr lang="ko-KR" altLang="en-US" smtClean="0"/>
+              <a:rPr lang="ko-KR" altLang="en-US"/>
               <a:t>넷째 수준</a:t>
             </a:r>
           </a:p>
           <a:p>
             <a:pPr lvl="4"/>
             <a:r>
-              <a:rPr lang="ko-KR" altLang="en-US" smtClean="0"/>
+              <a:rPr lang="ko-KR" altLang="en-US"/>
               <a:t>다섯째 수준</a:t>
             </a:r>
-            <a:endParaRPr lang="ko-KR" altLang="en-US"/>
           </a:p>
         </p:txBody>
       </p:sp>
@@ -588,7 +587,7 @@
           <a:p>
             <a:fld id="{E814908E-AF34-423E-A8AA-D9B02B1A5782}" type="datetimeFigureOut">
               <a:rPr lang="ko-KR" altLang="en-US" smtClean="0"/>
-              <a:t>2020-02-29</a:t>
+              <a:t>2020-03-01</a:t>
             </a:fld>
             <a:endParaRPr lang="ko-KR" altLang="en-US"/>
           </a:p>
@@ -682,10 +681,9 @@
           <a:lstStyle/>
           <a:p>
             <a:r>
-              <a:rPr lang="ko-KR" altLang="en-US" smtClean="0"/>
+              <a:rPr lang="ko-KR" altLang="en-US"/>
               <a:t>마스터 제목 스타일 편집</a:t>
             </a:r>
-            <a:endParaRPr lang="ko-KR" altLang="en-US"/>
           </a:p>
         </p:txBody>
       </p:sp>
@@ -706,38 +704,37 @@
           <a:p>
             <a:pPr lvl="0"/>
             <a:r>
-              <a:rPr lang="ko-KR" altLang="en-US" smtClean="0"/>
+              <a:rPr lang="ko-KR" altLang="en-US"/>
               <a:t>마스터 텍스트 스타일 편집</a:t>
             </a:r>
           </a:p>
           <a:p>
             <a:pPr lvl="1"/>
             <a:r>
-              <a:rPr lang="ko-KR" altLang="en-US" smtClean="0"/>
+              <a:rPr lang="ko-KR" altLang="en-US"/>
               <a:t>둘째 수준</a:t>
             </a:r>
           </a:p>
           <a:p>
             <a:pPr lvl="2"/>
             <a:r>
-              <a:rPr lang="ko-KR" altLang="en-US" smtClean="0"/>
+              <a:rPr lang="ko-KR" altLang="en-US"/>
               <a:t>셋째 수준</a:t>
             </a:r>
           </a:p>
           <a:p>
             <a:pPr lvl="3"/>
             <a:r>
-              <a:rPr lang="ko-KR" altLang="en-US" smtClean="0"/>
+              <a:rPr lang="ko-KR" altLang="en-US"/>
               <a:t>넷째 수준</a:t>
             </a:r>
           </a:p>
           <a:p>
             <a:pPr lvl="4"/>
             <a:r>
-              <a:rPr lang="ko-KR" altLang="en-US" smtClean="0"/>
+              <a:rPr lang="ko-KR" altLang="en-US"/>
               <a:t>다섯째 수준</a:t>
             </a:r>
-            <a:endParaRPr lang="ko-KR" altLang="en-US"/>
           </a:p>
         </p:txBody>
       </p:sp>
@@ -758,7 +755,7 @@
           <a:p>
             <a:fld id="{E814908E-AF34-423E-A8AA-D9B02B1A5782}" type="datetimeFigureOut">
               <a:rPr lang="ko-KR" altLang="en-US" smtClean="0"/>
-              <a:t>2020-02-29</a:t>
+              <a:t>2020-03-01</a:t>
             </a:fld>
             <a:endParaRPr lang="ko-KR" altLang="en-US"/>
           </a:p>
@@ -861,10 +858,9 @@
           </a:lstStyle>
           <a:p>
             <a:r>
-              <a:rPr lang="ko-KR" altLang="en-US" smtClean="0"/>
+              <a:rPr lang="ko-KR" altLang="en-US"/>
               <a:t>마스터 제목 스타일 편집</a:t>
             </a:r>
-            <a:endParaRPr lang="ko-KR" altLang="en-US"/>
           </a:p>
         </p:txBody>
       </p:sp>
@@ -981,7 +977,7 @@
           <a:p>
             <a:pPr lvl="0"/>
             <a:r>
-              <a:rPr lang="ko-KR" altLang="en-US" smtClean="0"/>
+              <a:rPr lang="ko-KR" altLang="en-US"/>
               <a:t>마스터 텍스트 스타일 편집</a:t>
             </a:r>
           </a:p>
@@ -1004,7 +1000,7 @@
           <a:p>
             <a:fld id="{E814908E-AF34-423E-A8AA-D9B02B1A5782}" type="datetimeFigureOut">
               <a:rPr lang="ko-KR" altLang="en-US" smtClean="0"/>
-              <a:t>2020-02-29</a:t>
+              <a:t>2020-03-01</a:t>
             </a:fld>
             <a:endParaRPr lang="ko-KR" altLang="en-US"/>
           </a:p>
@@ -1098,10 +1094,9 @@
           <a:lstStyle/>
           <a:p>
             <a:r>
-              <a:rPr lang="ko-KR" altLang="en-US" smtClean="0"/>
+              <a:rPr lang="ko-KR" altLang="en-US"/>
               <a:t>마스터 제목 스타일 편집</a:t>
             </a:r>
-            <a:endParaRPr lang="ko-KR" altLang="en-US"/>
           </a:p>
         </p:txBody>
       </p:sp>
@@ -1127,38 +1122,37 @@
           <a:p>
             <a:pPr lvl="0"/>
             <a:r>
-              <a:rPr lang="ko-KR" altLang="en-US" smtClean="0"/>
+              <a:rPr lang="ko-KR" altLang="en-US"/>
               <a:t>마스터 텍스트 스타일 편집</a:t>
             </a:r>
           </a:p>
           <a:p>
             <a:pPr lvl="1"/>
             <a:r>
-              <a:rPr lang="ko-KR" altLang="en-US" smtClean="0"/>
+              <a:rPr lang="ko-KR" altLang="en-US"/>
               <a:t>둘째 수준</a:t>
             </a:r>
           </a:p>
           <a:p>
             <a:pPr lvl="2"/>
             <a:r>
-              <a:rPr lang="ko-KR" altLang="en-US" smtClean="0"/>
+              <a:rPr lang="ko-KR" altLang="en-US"/>
               <a:t>셋째 수준</a:t>
             </a:r>
           </a:p>
           <a:p>
             <a:pPr lvl="3"/>
             <a:r>
-              <a:rPr lang="ko-KR" altLang="en-US" smtClean="0"/>
+              <a:rPr lang="ko-KR" altLang="en-US"/>
               <a:t>넷째 수준</a:t>
             </a:r>
           </a:p>
           <a:p>
             <a:pPr lvl="4"/>
             <a:r>
-              <a:rPr lang="ko-KR" altLang="en-US" smtClean="0"/>
+              <a:rPr lang="ko-KR" altLang="en-US"/>
               <a:t>다섯째 수준</a:t>
             </a:r>
-            <a:endParaRPr lang="ko-KR" altLang="en-US"/>
           </a:p>
         </p:txBody>
       </p:sp>
@@ -1184,38 +1178,37 @@
           <a:p>
             <a:pPr lvl="0"/>
             <a:r>
-              <a:rPr lang="ko-KR" altLang="en-US" smtClean="0"/>
+              <a:rPr lang="ko-KR" altLang="en-US"/>
               <a:t>마스터 텍스트 스타일 편집</a:t>
             </a:r>
           </a:p>
           <a:p>
             <a:pPr lvl="1"/>
             <a:r>
-              <a:rPr lang="ko-KR" altLang="en-US" smtClean="0"/>
+              <a:rPr lang="ko-KR" altLang="en-US"/>
               <a:t>둘째 수준</a:t>
             </a:r>
           </a:p>
           <a:p>
             <a:pPr lvl="2"/>
             <a:r>
-              <a:rPr lang="ko-KR" altLang="en-US" smtClean="0"/>
+              <a:rPr lang="ko-KR" altLang="en-US"/>
               <a:t>셋째 수준</a:t>
             </a:r>
           </a:p>
           <a:p>
             <a:pPr lvl="3"/>
             <a:r>
-              <a:rPr lang="ko-KR" altLang="en-US" smtClean="0"/>
+              <a:rPr lang="ko-KR" altLang="en-US"/>
               <a:t>넷째 수준</a:t>
             </a:r>
           </a:p>
           <a:p>
             <a:pPr lvl="4"/>
             <a:r>
-              <a:rPr lang="ko-KR" altLang="en-US" smtClean="0"/>
+              <a:rPr lang="ko-KR" altLang="en-US"/>
               <a:t>다섯째 수준</a:t>
             </a:r>
-            <a:endParaRPr lang="ko-KR" altLang="en-US"/>
           </a:p>
         </p:txBody>
       </p:sp>
@@ -1236,7 +1229,7 @@
           <a:p>
             <a:fld id="{E814908E-AF34-423E-A8AA-D9B02B1A5782}" type="datetimeFigureOut">
               <a:rPr lang="ko-KR" altLang="en-US" smtClean="0"/>
-              <a:t>2020-02-29</a:t>
+              <a:t>2020-03-01</a:t>
             </a:fld>
             <a:endParaRPr lang="ko-KR" altLang="en-US"/>
           </a:p>
@@ -1335,10 +1328,9 @@
           <a:lstStyle/>
           <a:p>
             <a:r>
-              <a:rPr lang="ko-KR" altLang="en-US" smtClean="0"/>
+              <a:rPr lang="ko-KR" altLang="en-US"/>
               <a:t>마스터 제목 스타일 편집</a:t>
             </a:r>
-            <a:endParaRPr lang="ko-KR" altLang="en-US"/>
           </a:p>
         </p:txBody>
       </p:sp>
@@ -1401,7 +1393,7 @@
           <a:p>
             <a:pPr lvl="0"/>
             <a:r>
-              <a:rPr lang="ko-KR" altLang="en-US" smtClean="0"/>
+              <a:rPr lang="ko-KR" altLang="en-US"/>
               <a:t>마스터 텍스트 스타일 편집</a:t>
             </a:r>
           </a:p>
@@ -1429,38 +1421,37 @@
           <a:p>
             <a:pPr lvl="0"/>
             <a:r>
-              <a:rPr lang="ko-KR" altLang="en-US" smtClean="0"/>
+              <a:rPr lang="ko-KR" altLang="en-US"/>
               <a:t>마스터 텍스트 스타일 편집</a:t>
             </a:r>
           </a:p>
           <a:p>
             <a:pPr lvl="1"/>
             <a:r>
-              <a:rPr lang="ko-KR" altLang="en-US" smtClean="0"/>
+              <a:rPr lang="ko-KR" altLang="en-US"/>
               <a:t>둘째 수준</a:t>
             </a:r>
           </a:p>
           <a:p>
             <a:pPr lvl="2"/>
             <a:r>
-              <a:rPr lang="ko-KR" altLang="en-US" smtClean="0"/>
+              <a:rPr lang="ko-KR" altLang="en-US"/>
               <a:t>셋째 수준</a:t>
             </a:r>
           </a:p>
           <a:p>
             <a:pPr lvl="3"/>
             <a:r>
-              <a:rPr lang="ko-KR" altLang="en-US" smtClean="0"/>
+              <a:rPr lang="ko-KR" altLang="en-US"/>
               <a:t>넷째 수준</a:t>
             </a:r>
           </a:p>
           <a:p>
             <a:pPr lvl="4"/>
             <a:r>
-              <a:rPr lang="ko-KR" altLang="en-US" smtClean="0"/>
+              <a:rPr lang="ko-KR" altLang="en-US"/>
               <a:t>다섯째 수준</a:t>
             </a:r>
-            <a:endParaRPr lang="ko-KR" altLang="en-US"/>
           </a:p>
         </p:txBody>
       </p:sp>
@@ -1523,7 +1514,7 @@
           <a:p>
             <a:pPr lvl="0"/>
             <a:r>
-              <a:rPr lang="ko-KR" altLang="en-US" smtClean="0"/>
+              <a:rPr lang="ko-KR" altLang="en-US"/>
               <a:t>마스터 텍스트 스타일 편집</a:t>
             </a:r>
           </a:p>
@@ -1551,38 +1542,37 @@
           <a:p>
             <a:pPr lvl="0"/>
             <a:r>
-              <a:rPr lang="ko-KR" altLang="en-US" smtClean="0"/>
+              <a:rPr lang="ko-KR" altLang="en-US"/>
               <a:t>마스터 텍스트 스타일 편집</a:t>
             </a:r>
           </a:p>
           <a:p>
             <a:pPr lvl="1"/>
             <a:r>
-              <a:rPr lang="ko-KR" altLang="en-US" smtClean="0"/>
+              <a:rPr lang="ko-KR" altLang="en-US"/>
               <a:t>둘째 수준</a:t>
             </a:r>
           </a:p>
           <a:p>
             <a:pPr lvl="2"/>
             <a:r>
-              <a:rPr lang="ko-KR" altLang="en-US" smtClean="0"/>
+              <a:rPr lang="ko-KR" altLang="en-US"/>
               <a:t>셋째 수준</a:t>
             </a:r>
           </a:p>
           <a:p>
             <a:pPr lvl="3"/>
             <a:r>
-              <a:rPr lang="ko-KR" altLang="en-US" smtClean="0"/>
+              <a:rPr lang="ko-KR" altLang="en-US"/>
               <a:t>넷째 수준</a:t>
             </a:r>
           </a:p>
           <a:p>
             <a:pPr lvl="4"/>
             <a:r>
-              <a:rPr lang="ko-KR" altLang="en-US" smtClean="0"/>
+              <a:rPr lang="ko-KR" altLang="en-US"/>
               <a:t>다섯째 수준</a:t>
             </a:r>
-            <a:endParaRPr lang="ko-KR" altLang="en-US"/>
           </a:p>
         </p:txBody>
       </p:sp>
@@ -1603,7 +1593,7 @@
           <a:p>
             <a:fld id="{E814908E-AF34-423E-A8AA-D9B02B1A5782}" type="datetimeFigureOut">
               <a:rPr lang="ko-KR" altLang="en-US" smtClean="0"/>
-              <a:t>2020-02-29</a:t>
+              <a:t>2020-03-01</a:t>
             </a:fld>
             <a:endParaRPr lang="ko-KR" altLang="en-US"/>
           </a:p>
@@ -1697,10 +1687,9 @@
           <a:lstStyle/>
           <a:p>
             <a:r>
-              <a:rPr lang="ko-KR" altLang="en-US" smtClean="0"/>
+              <a:rPr lang="ko-KR" altLang="en-US"/>
               <a:t>마스터 제목 스타일 편집</a:t>
             </a:r>
-            <a:endParaRPr lang="ko-KR" altLang="en-US"/>
           </a:p>
         </p:txBody>
       </p:sp>
@@ -1721,7 +1710,7 @@
           <a:p>
             <a:fld id="{E814908E-AF34-423E-A8AA-D9B02B1A5782}" type="datetimeFigureOut">
               <a:rPr lang="ko-KR" altLang="en-US" smtClean="0"/>
-              <a:t>2020-02-29</a:t>
+              <a:t>2020-03-01</a:t>
             </a:fld>
             <a:endParaRPr lang="ko-KR" altLang="en-US"/>
           </a:p>
@@ -1816,7 +1805,7 @@
           <a:p>
             <a:fld id="{E814908E-AF34-423E-A8AA-D9B02B1A5782}" type="datetimeFigureOut">
               <a:rPr lang="ko-KR" altLang="en-US" smtClean="0"/>
-              <a:t>2020-02-29</a:t>
+              <a:t>2020-03-01</a:t>
             </a:fld>
             <a:endParaRPr lang="ko-KR" altLang="en-US"/>
           </a:p>
@@ -1919,10 +1908,9 @@
           </a:lstStyle>
           <a:p>
             <a:r>
-              <a:rPr lang="ko-KR" altLang="en-US" smtClean="0"/>
+              <a:rPr lang="ko-KR" altLang="en-US"/>
               <a:t>마스터 제목 스타일 편집</a:t>
             </a:r>
-            <a:endParaRPr lang="ko-KR" altLang="en-US"/>
           </a:p>
         </p:txBody>
       </p:sp>
@@ -1976,38 +1964,37 @@
           <a:p>
             <a:pPr lvl="0"/>
             <a:r>
-              <a:rPr lang="ko-KR" altLang="en-US" smtClean="0"/>
+              <a:rPr lang="ko-KR" altLang="en-US"/>
               <a:t>마스터 텍스트 스타일 편집</a:t>
             </a:r>
           </a:p>
           <a:p>
             <a:pPr lvl="1"/>
             <a:r>
-              <a:rPr lang="ko-KR" altLang="en-US" smtClean="0"/>
+              <a:rPr lang="ko-KR" altLang="en-US"/>
               <a:t>둘째 수준</a:t>
             </a:r>
           </a:p>
           <a:p>
             <a:pPr lvl="2"/>
             <a:r>
-              <a:rPr lang="ko-KR" altLang="en-US" smtClean="0"/>
+              <a:rPr lang="ko-KR" altLang="en-US"/>
               <a:t>셋째 수준</a:t>
             </a:r>
           </a:p>
           <a:p>
             <a:pPr lvl="3"/>
             <a:r>
-              <a:rPr lang="ko-KR" altLang="en-US" smtClean="0"/>
+              <a:rPr lang="ko-KR" altLang="en-US"/>
               <a:t>넷째 수준</a:t>
             </a:r>
           </a:p>
           <a:p>
             <a:pPr lvl="4"/>
             <a:r>
-              <a:rPr lang="ko-KR" altLang="en-US" smtClean="0"/>
+              <a:rPr lang="ko-KR" altLang="en-US"/>
               <a:t>다섯째 수준</a:t>
             </a:r>
-            <a:endParaRPr lang="ko-KR" altLang="en-US"/>
           </a:p>
         </p:txBody>
       </p:sp>
@@ -2070,7 +2057,7 @@
           <a:p>
             <a:pPr lvl="0"/>
             <a:r>
-              <a:rPr lang="ko-KR" altLang="en-US" smtClean="0"/>
+              <a:rPr lang="ko-KR" altLang="en-US"/>
               <a:t>마스터 텍스트 스타일 편집</a:t>
             </a:r>
           </a:p>
@@ -2093,7 +2080,7 @@
           <a:p>
             <a:fld id="{E814908E-AF34-423E-A8AA-D9B02B1A5782}" type="datetimeFigureOut">
               <a:rPr lang="ko-KR" altLang="en-US" smtClean="0"/>
-              <a:t>2020-02-29</a:t>
+              <a:t>2020-03-01</a:t>
             </a:fld>
             <a:endParaRPr lang="ko-KR" altLang="en-US"/>
           </a:p>
@@ -2196,10 +2183,9 @@
           </a:lstStyle>
           <a:p>
             <a:r>
-              <a:rPr lang="ko-KR" altLang="en-US" smtClean="0"/>
+              <a:rPr lang="ko-KR" altLang="en-US"/>
               <a:t>마스터 제목 스타일 편집</a:t>
             </a:r>
-            <a:endParaRPr lang="ko-KR" altLang="en-US"/>
           </a:p>
         </p:txBody>
       </p:sp>
@@ -2323,7 +2309,7 @@
           <a:p>
             <a:pPr lvl="0"/>
             <a:r>
-              <a:rPr lang="ko-KR" altLang="en-US" smtClean="0"/>
+              <a:rPr lang="ko-KR" altLang="en-US"/>
               <a:t>마스터 텍스트 스타일 편집</a:t>
             </a:r>
           </a:p>
@@ -2346,7 +2332,7 @@
           <a:p>
             <a:fld id="{E814908E-AF34-423E-A8AA-D9B02B1A5782}" type="datetimeFigureOut">
               <a:rPr lang="ko-KR" altLang="en-US" smtClean="0"/>
-              <a:t>2020-02-29</a:t>
+              <a:t>2020-03-01</a:t>
             </a:fld>
             <a:endParaRPr lang="ko-KR" altLang="en-US"/>
           </a:p>
@@ -2455,10 +2441,9 @@
           <a:lstStyle/>
           <a:p>
             <a:r>
-              <a:rPr lang="ko-KR" altLang="en-US" smtClean="0"/>
+              <a:rPr lang="ko-KR" altLang="en-US"/>
               <a:t>마스터 제목 스타일 편집</a:t>
             </a:r>
-            <a:endParaRPr lang="ko-KR" altLang="en-US"/>
           </a:p>
         </p:txBody>
       </p:sp>
@@ -2489,38 +2474,37 @@
           <a:p>
             <a:pPr lvl="0"/>
             <a:r>
-              <a:rPr lang="ko-KR" altLang="en-US" smtClean="0"/>
+              <a:rPr lang="ko-KR" altLang="en-US"/>
               <a:t>마스터 텍스트 스타일 편집</a:t>
             </a:r>
           </a:p>
           <a:p>
             <a:pPr lvl="1"/>
             <a:r>
-              <a:rPr lang="ko-KR" altLang="en-US" smtClean="0"/>
+              <a:rPr lang="ko-KR" altLang="en-US"/>
               <a:t>둘째 수준</a:t>
             </a:r>
           </a:p>
           <a:p>
             <a:pPr lvl="2"/>
             <a:r>
-              <a:rPr lang="ko-KR" altLang="en-US" smtClean="0"/>
+              <a:rPr lang="ko-KR" altLang="en-US"/>
               <a:t>셋째 수준</a:t>
             </a:r>
           </a:p>
           <a:p>
             <a:pPr lvl="3"/>
             <a:r>
-              <a:rPr lang="ko-KR" altLang="en-US" smtClean="0"/>
+              <a:rPr lang="ko-KR" altLang="en-US"/>
               <a:t>넷째 수준</a:t>
             </a:r>
           </a:p>
           <a:p>
             <a:pPr lvl="4"/>
             <a:r>
-              <a:rPr lang="ko-KR" altLang="en-US" smtClean="0"/>
+              <a:rPr lang="ko-KR" altLang="en-US"/>
               <a:t>다섯째 수준</a:t>
             </a:r>
-            <a:endParaRPr lang="ko-KR" altLang="en-US"/>
           </a:p>
         </p:txBody>
       </p:sp>
@@ -2559,7 +2543,7 @@
           <a:p>
             <a:fld id="{E814908E-AF34-423E-A8AA-D9B02B1A5782}" type="datetimeFigureOut">
               <a:rPr lang="ko-KR" altLang="en-US" smtClean="0"/>
-              <a:t>2020-02-29</a:t>
+              <a:t>2020-03-01</a:t>
             </a:fld>
             <a:endParaRPr lang="ko-KR" altLang="en-US"/>
           </a:p>
@@ -3084,7 +3068,7 @@
               <a:lstStyle/>
               <a:p>
                 <a:r>
-                  <a:rPr lang="en-US" altLang="ko-KR" sz="5400" dirty="0" smtClean="0"/>
+                  <a:rPr lang="en-US" altLang="ko-KR" sz="5400" dirty="0"/>
                   <a:t>.</a:t>
                 </a:r>
                 <a:endParaRPr lang="ko-KR" altLang="en-US" sz="5400" dirty="0"/>
@@ -3114,7 +3098,7 @@
               <a:lstStyle/>
               <a:p>
                 <a:r>
-                  <a:rPr lang="en-US" altLang="ko-KR" sz="5400" dirty="0" smtClean="0"/>
+                  <a:rPr lang="en-US" altLang="ko-KR" sz="5400" dirty="0"/>
                   <a:t>.</a:t>
                 </a:r>
                 <a:endParaRPr lang="ko-KR" altLang="en-US" sz="5400" dirty="0"/>
@@ -3243,7 +3227,7 @@
               <a:lstStyle/>
               <a:p>
                 <a:r>
-                  <a:rPr lang="en-US" altLang="ko-KR" sz="5400" dirty="0" smtClean="0"/>
+                  <a:rPr lang="en-US" altLang="ko-KR" sz="5400" dirty="0"/>
                   <a:t>.</a:t>
                 </a:r>
                 <a:endParaRPr lang="ko-KR" altLang="en-US" sz="5400" dirty="0"/>
@@ -3273,7 +3257,7 @@
               <a:lstStyle/>
               <a:p>
                 <a:r>
-                  <a:rPr lang="en-US" altLang="ko-KR" sz="5400" dirty="0" smtClean="0"/>
+                  <a:rPr lang="en-US" altLang="ko-KR" sz="5400" dirty="0"/>
                   <a:t>.</a:t>
                 </a:r>
                 <a:endParaRPr lang="ko-KR" altLang="en-US" sz="5400" dirty="0"/>
@@ -3290,7 +3274,7 @@
         </p:nvGrpSpPr>
         <p:grpSpPr>
           <a:xfrm>
-            <a:off x="4894212" y="2677886"/>
+            <a:off x="1606714" y="3429000"/>
             <a:ext cx="2542915" cy="1489274"/>
             <a:chOff x="4254132" y="3683726"/>
             <a:chExt cx="2542915" cy="1489274"/>
@@ -3342,7 +3326,7 @@
             <a:lstStyle/>
             <a:p>
               <a:r>
-                <a:rPr lang="en-US" altLang="ko-KR" sz="6600" dirty="0" smtClean="0"/>
+                <a:rPr lang="en-US" altLang="ko-KR" sz="6600" dirty="0"/>
                 <a:t>D-</a:t>
               </a:r>
               <a:endParaRPr lang="ko-KR" altLang="en-US" sz="6600" dirty="0"/>
@@ -3350,6 +3334,524 @@
           </p:txBody>
         </p:sp>
       </p:grpSp>
+      <p:pic>
+        <p:nvPicPr>
+          <p:cNvPr id="24" name="그림 23">
+            <a:extLst>
+              <a:ext uri="{FF2B5EF4-FFF2-40B4-BE49-F238E27FC236}">
+                <a16:creationId xmlns:a16="http://schemas.microsoft.com/office/drawing/2014/main" id="{B309BB85-6D8F-460B-B2E6-79008F2CBEE0}"/>
+              </a:ext>
+            </a:extLst>
+          </p:cNvPr>
+          <p:cNvPicPr>
+            <a:picLocks noChangeAspect="1"/>
+          </p:cNvPicPr>
+          <p:nvPr/>
+        </p:nvPicPr>
+        <p:blipFill rotWithShape="1">
+          <a:blip r:embed="rId2"/>
+          <a:srcRect l="33660" t="2186" r="37321" b="67276"/>
+          <a:stretch/>
+        </p:blipFill>
+        <p:spPr>
+          <a:xfrm>
+            <a:off x="6744297" y="3542603"/>
+            <a:ext cx="1415151" cy="1489274"/>
+          </a:xfrm>
+          <a:prstGeom prst="rect">
+            <a:avLst/>
+          </a:prstGeom>
+        </p:spPr>
+      </p:pic>
+      <p:sp>
+        <p:nvSpPr>
+          <p:cNvPr id="3" name="육각형 2">
+            <a:extLst>
+              <a:ext uri="{FF2B5EF4-FFF2-40B4-BE49-F238E27FC236}">
+                <a16:creationId xmlns:a16="http://schemas.microsoft.com/office/drawing/2014/main" id="{C1DFD911-6A53-41C9-B7BA-EFAFEAABA701}"/>
+              </a:ext>
+            </a:extLst>
+          </p:cNvPr>
+          <p:cNvSpPr/>
+          <p:nvPr/>
+        </p:nvSpPr>
+        <p:spPr>
+          <a:xfrm rot="5400000">
+            <a:off x="5352378" y="4488590"/>
+            <a:ext cx="438151" cy="115526"/>
+          </a:xfrm>
+          <a:prstGeom prst="hexagon">
+            <a:avLst>
+              <a:gd name="adj" fmla="val 49733"/>
+              <a:gd name="vf" fmla="val 115470"/>
+            </a:avLst>
+          </a:prstGeom>
+          <a:solidFill>
+            <a:schemeClr val="tx1"/>
+          </a:solidFill>
+          <a:ln>
+            <a:noFill/>
+          </a:ln>
+        </p:spPr>
+        <p:style>
+          <a:lnRef idx="2">
+            <a:schemeClr val="accent1">
+              <a:shade val="50000"/>
+            </a:schemeClr>
+          </a:lnRef>
+          <a:fillRef idx="1">
+            <a:schemeClr val="accent1"/>
+          </a:fillRef>
+          <a:effectRef idx="0">
+            <a:schemeClr val="accent1"/>
+          </a:effectRef>
+          <a:fontRef idx="minor">
+            <a:schemeClr val="lt1"/>
+          </a:fontRef>
+        </p:style>
+        <p:txBody>
+          <a:bodyPr rtlCol="0" anchor="ctr"/>
+          <a:lstStyle/>
+          <a:p>
+            <a:pPr algn="ctr"/>
+            <a:endParaRPr lang="ko-KR" altLang="en-US" dirty="0"/>
+          </a:p>
+        </p:txBody>
+      </p:sp>
+      <p:sp>
+        <p:nvSpPr>
+          <p:cNvPr id="30" name="육각형 29">
+            <a:extLst>
+              <a:ext uri="{FF2B5EF4-FFF2-40B4-BE49-F238E27FC236}">
+                <a16:creationId xmlns:a16="http://schemas.microsoft.com/office/drawing/2014/main" id="{011EC12F-DF4D-4080-81C0-9C2B3C4A9CDC}"/>
+              </a:ext>
+            </a:extLst>
+          </p:cNvPr>
+          <p:cNvSpPr/>
+          <p:nvPr/>
+        </p:nvSpPr>
+        <p:spPr>
+          <a:xfrm rot="5400000">
+            <a:off x="5824105" y="4495298"/>
+            <a:ext cx="391791" cy="106151"/>
+          </a:xfrm>
+          <a:prstGeom prst="hexagon">
+            <a:avLst>
+              <a:gd name="adj" fmla="val 49733"/>
+              <a:gd name="vf" fmla="val 115470"/>
+            </a:avLst>
+          </a:prstGeom>
+          <a:solidFill>
+            <a:schemeClr val="tx1"/>
+          </a:solidFill>
+          <a:ln>
+            <a:noFill/>
+          </a:ln>
+        </p:spPr>
+        <p:style>
+          <a:lnRef idx="2">
+            <a:schemeClr val="accent1">
+              <a:shade val="50000"/>
+            </a:schemeClr>
+          </a:lnRef>
+          <a:fillRef idx="1">
+            <a:schemeClr val="accent1"/>
+          </a:fillRef>
+          <a:effectRef idx="0">
+            <a:schemeClr val="accent1"/>
+          </a:effectRef>
+          <a:fontRef idx="minor">
+            <a:schemeClr val="lt1"/>
+          </a:fontRef>
+        </p:style>
+        <p:txBody>
+          <a:bodyPr rtlCol="0" anchor="ctr"/>
+          <a:lstStyle/>
+          <a:p>
+            <a:pPr algn="ctr"/>
+            <a:endParaRPr lang="ko-KR" altLang="en-US" dirty="0"/>
+          </a:p>
+        </p:txBody>
+      </p:sp>
+      <p:sp>
+        <p:nvSpPr>
+          <p:cNvPr id="31" name="육각형 30">
+            <a:extLst>
+              <a:ext uri="{FF2B5EF4-FFF2-40B4-BE49-F238E27FC236}">
+                <a16:creationId xmlns:a16="http://schemas.microsoft.com/office/drawing/2014/main" id="{67546CEE-8102-442C-A2FE-250E2FB00DF9}"/>
+              </a:ext>
+            </a:extLst>
+          </p:cNvPr>
+          <p:cNvSpPr/>
+          <p:nvPr/>
+        </p:nvSpPr>
+        <p:spPr>
+          <a:xfrm rot="5400000">
+            <a:off x="5338607" y="4044543"/>
+            <a:ext cx="451900" cy="106152"/>
+          </a:xfrm>
+          <a:prstGeom prst="hexagon">
+            <a:avLst>
+              <a:gd name="adj" fmla="val 49733"/>
+              <a:gd name="vf" fmla="val 115470"/>
+            </a:avLst>
+          </a:prstGeom>
+          <a:solidFill>
+            <a:schemeClr val="tx1"/>
+          </a:solidFill>
+          <a:ln>
+            <a:noFill/>
+          </a:ln>
+        </p:spPr>
+        <p:style>
+          <a:lnRef idx="2">
+            <a:schemeClr val="accent1">
+              <a:shade val="50000"/>
+            </a:schemeClr>
+          </a:lnRef>
+          <a:fillRef idx="1">
+            <a:schemeClr val="accent1"/>
+          </a:fillRef>
+          <a:effectRef idx="0">
+            <a:schemeClr val="accent1"/>
+          </a:effectRef>
+          <a:fontRef idx="minor">
+            <a:schemeClr val="lt1"/>
+          </a:fontRef>
+        </p:style>
+        <p:txBody>
+          <a:bodyPr rtlCol="0" anchor="ctr"/>
+          <a:lstStyle/>
+          <a:p>
+            <a:pPr algn="ctr"/>
+            <a:endParaRPr lang="ko-KR" altLang="en-US" dirty="0"/>
+          </a:p>
+        </p:txBody>
+      </p:sp>
+      <p:sp>
+        <p:nvSpPr>
+          <p:cNvPr id="32" name="육각형 31">
+            <a:extLst>
+              <a:ext uri="{FF2B5EF4-FFF2-40B4-BE49-F238E27FC236}">
+                <a16:creationId xmlns:a16="http://schemas.microsoft.com/office/drawing/2014/main" id="{163CDE59-9A09-4B64-AEAC-25711955BA02}"/>
+              </a:ext>
+            </a:extLst>
+          </p:cNvPr>
+          <p:cNvSpPr/>
+          <p:nvPr/>
+        </p:nvSpPr>
+        <p:spPr>
+          <a:xfrm rot="5400000">
+            <a:off x="5808090" y="4039957"/>
+            <a:ext cx="425641" cy="106151"/>
+          </a:xfrm>
+          <a:prstGeom prst="hexagon">
+            <a:avLst>
+              <a:gd name="adj" fmla="val 49733"/>
+              <a:gd name="vf" fmla="val 115470"/>
+            </a:avLst>
+          </a:prstGeom>
+          <a:solidFill>
+            <a:schemeClr val="tx1"/>
+          </a:solidFill>
+          <a:ln>
+            <a:noFill/>
+          </a:ln>
+        </p:spPr>
+        <p:style>
+          <a:lnRef idx="2">
+            <a:schemeClr val="accent1">
+              <a:shade val="50000"/>
+            </a:schemeClr>
+          </a:lnRef>
+          <a:fillRef idx="1">
+            <a:schemeClr val="accent1"/>
+          </a:fillRef>
+          <a:effectRef idx="0">
+            <a:schemeClr val="accent1"/>
+          </a:effectRef>
+          <a:fontRef idx="minor">
+            <a:schemeClr val="lt1"/>
+          </a:fontRef>
+        </p:style>
+        <p:txBody>
+          <a:bodyPr rtlCol="0" anchor="ctr"/>
+          <a:lstStyle/>
+          <a:p>
+            <a:pPr algn="ctr"/>
+            <a:endParaRPr lang="ko-KR" altLang="en-US" dirty="0"/>
+          </a:p>
+        </p:txBody>
+      </p:sp>
+      <p:sp>
+        <p:nvSpPr>
+          <p:cNvPr id="33" name="육각형 32">
+            <a:extLst>
+              <a:ext uri="{FF2B5EF4-FFF2-40B4-BE49-F238E27FC236}">
+                <a16:creationId xmlns:a16="http://schemas.microsoft.com/office/drawing/2014/main" id="{26318F10-0496-4E2A-89A1-F4A434AE8FDE}"/>
+              </a:ext>
+            </a:extLst>
+          </p:cNvPr>
+          <p:cNvSpPr/>
+          <p:nvPr/>
+        </p:nvSpPr>
+        <p:spPr>
+          <a:xfrm rot="10800000">
+            <a:off x="5564557" y="3812422"/>
+            <a:ext cx="438151" cy="115526"/>
+          </a:xfrm>
+          <a:prstGeom prst="hexagon">
+            <a:avLst>
+              <a:gd name="adj" fmla="val 49733"/>
+              <a:gd name="vf" fmla="val 115470"/>
+            </a:avLst>
+          </a:prstGeom>
+          <a:solidFill>
+            <a:schemeClr val="tx1"/>
+          </a:solidFill>
+          <a:ln>
+            <a:noFill/>
+          </a:ln>
+        </p:spPr>
+        <p:style>
+          <a:lnRef idx="2">
+            <a:schemeClr val="accent1">
+              <a:shade val="50000"/>
+            </a:schemeClr>
+          </a:lnRef>
+          <a:fillRef idx="1">
+            <a:schemeClr val="accent1"/>
+          </a:fillRef>
+          <a:effectRef idx="0">
+            <a:schemeClr val="accent1"/>
+          </a:effectRef>
+          <a:fontRef idx="minor">
+            <a:schemeClr val="lt1"/>
+          </a:fontRef>
+        </p:style>
+        <p:txBody>
+          <a:bodyPr rtlCol="0" anchor="ctr"/>
+          <a:lstStyle/>
+          <a:p>
+            <a:pPr algn="ctr"/>
+            <a:endParaRPr lang="ko-KR" altLang="en-US" dirty="0"/>
+          </a:p>
+        </p:txBody>
+      </p:sp>
+      <p:sp>
+        <p:nvSpPr>
+          <p:cNvPr id="34" name="육각형 33">
+            <a:extLst>
+              <a:ext uri="{FF2B5EF4-FFF2-40B4-BE49-F238E27FC236}">
+                <a16:creationId xmlns:a16="http://schemas.microsoft.com/office/drawing/2014/main" id="{986D3E43-682A-447E-AEDB-9F96B34BE867}"/>
+              </a:ext>
+            </a:extLst>
+          </p:cNvPr>
+          <p:cNvSpPr/>
+          <p:nvPr/>
+        </p:nvSpPr>
+        <p:spPr>
+          <a:xfrm rot="10800000">
+            <a:off x="5566297" y="4703964"/>
+            <a:ext cx="438151" cy="115526"/>
+          </a:xfrm>
+          <a:prstGeom prst="hexagon">
+            <a:avLst>
+              <a:gd name="adj" fmla="val 49733"/>
+              <a:gd name="vf" fmla="val 115470"/>
+            </a:avLst>
+          </a:prstGeom>
+          <a:solidFill>
+            <a:schemeClr val="tx1"/>
+          </a:solidFill>
+          <a:ln>
+            <a:noFill/>
+          </a:ln>
+        </p:spPr>
+        <p:style>
+          <a:lnRef idx="2">
+            <a:schemeClr val="accent1">
+              <a:shade val="50000"/>
+            </a:schemeClr>
+          </a:lnRef>
+          <a:fillRef idx="1">
+            <a:schemeClr val="accent1"/>
+          </a:fillRef>
+          <a:effectRef idx="0">
+            <a:schemeClr val="accent1"/>
+          </a:effectRef>
+          <a:fontRef idx="minor">
+            <a:schemeClr val="lt1"/>
+          </a:fontRef>
+        </p:style>
+        <p:txBody>
+          <a:bodyPr rtlCol="0" anchor="ctr"/>
+          <a:lstStyle/>
+          <a:p>
+            <a:pPr algn="ctr"/>
+            <a:endParaRPr lang="ko-KR" altLang="en-US" dirty="0"/>
+          </a:p>
+        </p:txBody>
+      </p:sp>
+      <p:sp>
+        <p:nvSpPr>
+          <p:cNvPr id="35" name="육각형 34">
+            <a:extLst>
+              <a:ext uri="{FF2B5EF4-FFF2-40B4-BE49-F238E27FC236}">
+                <a16:creationId xmlns:a16="http://schemas.microsoft.com/office/drawing/2014/main" id="{78DBB73C-C43D-4AD4-9E35-0ED0C3161797}"/>
+              </a:ext>
+            </a:extLst>
+          </p:cNvPr>
+          <p:cNvSpPr/>
+          <p:nvPr/>
+        </p:nvSpPr>
+        <p:spPr>
+          <a:xfrm rot="10800000">
+            <a:off x="6199060" y="4269514"/>
+            <a:ext cx="438151" cy="115526"/>
+          </a:xfrm>
+          <a:prstGeom prst="hexagon">
+            <a:avLst>
+              <a:gd name="adj" fmla="val 49733"/>
+              <a:gd name="vf" fmla="val 115470"/>
+            </a:avLst>
+          </a:prstGeom>
+          <a:solidFill>
+            <a:schemeClr val="tx1"/>
+          </a:solidFill>
+          <a:ln>
+            <a:noFill/>
+          </a:ln>
+        </p:spPr>
+        <p:style>
+          <a:lnRef idx="2">
+            <a:schemeClr val="accent1">
+              <a:shade val="50000"/>
+            </a:schemeClr>
+          </a:lnRef>
+          <a:fillRef idx="1">
+            <a:schemeClr val="accent1"/>
+          </a:fillRef>
+          <a:effectRef idx="0">
+            <a:schemeClr val="accent1"/>
+          </a:effectRef>
+          <a:fontRef idx="minor">
+            <a:schemeClr val="lt1"/>
+          </a:fontRef>
+        </p:style>
+        <p:txBody>
+          <a:bodyPr rtlCol="0" anchor="ctr"/>
+          <a:lstStyle/>
+          <a:p>
+            <a:pPr algn="ctr"/>
+            <a:endParaRPr lang="ko-KR" altLang="en-US" dirty="0"/>
+          </a:p>
+        </p:txBody>
+      </p:sp>
+      <p:sp>
+        <p:nvSpPr>
+          <p:cNvPr id="10" name="직각 삼각형 9">
+            <a:extLst>
+              <a:ext uri="{FF2B5EF4-FFF2-40B4-BE49-F238E27FC236}">
+                <a16:creationId xmlns:a16="http://schemas.microsoft.com/office/drawing/2014/main" id="{9E48A2E7-37A8-4FEE-BC7C-51D7B8F412A5}"/>
+              </a:ext>
+            </a:extLst>
+          </p:cNvPr>
+          <p:cNvSpPr/>
+          <p:nvPr/>
+        </p:nvSpPr>
+        <p:spPr>
+          <a:xfrm>
+            <a:off x="5510860" y="4623631"/>
+            <a:ext cx="213546" cy="198532"/>
+          </a:xfrm>
+          <a:prstGeom prst="rtTriangle">
+            <a:avLst/>
+          </a:prstGeom>
+          <a:solidFill>
+            <a:schemeClr val="tx1"/>
+          </a:solidFill>
+          <a:ln>
+            <a:noFill/>
+          </a:ln>
+        </p:spPr>
+        <p:style>
+          <a:lnRef idx="2">
+            <a:schemeClr val="accent1">
+              <a:shade val="50000"/>
+            </a:schemeClr>
+          </a:lnRef>
+          <a:fillRef idx="1">
+            <a:schemeClr val="accent1"/>
+          </a:fillRef>
+          <a:effectRef idx="0">
+            <a:schemeClr val="accent1"/>
+          </a:effectRef>
+          <a:fontRef idx="minor">
+            <a:schemeClr val="lt1"/>
+          </a:fontRef>
+        </p:style>
+        <p:txBody>
+          <a:bodyPr rtlCol="0" anchor="ctr"/>
+          <a:lstStyle/>
+          <a:p>
+            <a:pPr algn="ctr"/>
+            <a:endParaRPr lang="ko-KR" altLang="en-US"/>
+          </a:p>
+        </p:txBody>
+      </p:sp>
+      <p:sp>
+        <p:nvSpPr>
+          <p:cNvPr id="37" name="직각 삼각형 36">
+            <a:extLst>
+              <a:ext uri="{FF2B5EF4-FFF2-40B4-BE49-F238E27FC236}">
+                <a16:creationId xmlns:a16="http://schemas.microsoft.com/office/drawing/2014/main" id="{4D9D4C07-1E78-411E-B5FD-1351F1B84B7C}"/>
+              </a:ext>
+            </a:extLst>
+          </p:cNvPr>
+          <p:cNvSpPr/>
+          <p:nvPr/>
+        </p:nvSpPr>
+        <p:spPr>
+          <a:xfrm rot="5400000">
+            <a:off x="5503353" y="3819459"/>
+            <a:ext cx="213546" cy="198532"/>
+          </a:xfrm>
+          <a:prstGeom prst="rtTriangle">
+            <a:avLst/>
+          </a:prstGeom>
+          <a:solidFill>
+            <a:schemeClr val="tx1"/>
+          </a:solidFill>
+          <a:ln>
+            <a:noFill/>
+          </a:ln>
+        </p:spPr>
+        <p:style>
+          <a:lnRef idx="2">
+            <a:schemeClr val="accent1">
+              <a:shade val="50000"/>
+            </a:schemeClr>
+          </a:lnRef>
+          <a:fillRef idx="1">
+            <a:schemeClr val="accent1"/>
+          </a:fillRef>
+          <a:effectRef idx="0">
+            <a:schemeClr val="accent1"/>
+          </a:effectRef>
+          <a:fontRef idx="minor">
+            <a:schemeClr val="lt1"/>
+          </a:fontRef>
+        </p:style>
+        <p:txBody>
+          <a:bodyPr rtlCol="0" anchor="ctr"/>
+          <a:lstStyle/>
+          <a:p>
+            <a:pPr algn="ctr"/>
+            <a:endParaRPr lang="ko-KR" altLang="en-US"/>
+          </a:p>
+        </p:txBody>
+      </p:sp>
     </p:spTree>
     <p:extLst>
       <p:ext uri="{BB962C8B-B14F-4D97-AF65-F5344CB8AC3E}">

--- a/디지털 숫자 도안.pptx
+++ b/디지털 숫자 도안.pptx
@@ -241,7 +241,7 @@
           <a:p>
             <a:fld id="{E814908E-AF34-423E-A8AA-D9B02B1A5782}" type="datetimeFigureOut">
               <a:rPr lang="ko-KR" altLang="en-US" smtClean="0"/>
-              <a:t>2020-03-01</a:t>
+              <a:t>2020-03-03</a:t>
             </a:fld>
             <a:endParaRPr lang="ko-KR" altLang="en-US"/>
           </a:p>
@@ -409,7 +409,7 @@
           <a:p>
             <a:fld id="{E814908E-AF34-423E-A8AA-D9B02B1A5782}" type="datetimeFigureOut">
               <a:rPr lang="ko-KR" altLang="en-US" smtClean="0"/>
-              <a:t>2020-03-01</a:t>
+              <a:t>2020-03-03</a:t>
             </a:fld>
             <a:endParaRPr lang="ko-KR" altLang="en-US"/>
           </a:p>
@@ -587,7 +587,7 @@
           <a:p>
             <a:fld id="{E814908E-AF34-423E-A8AA-D9B02B1A5782}" type="datetimeFigureOut">
               <a:rPr lang="ko-KR" altLang="en-US" smtClean="0"/>
-              <a:t>2020-03-01</a:t>
+              <a:t>2020-03-03</a:t>
             </a:fld>
             <a:endParaRPr lang="ko-KR" altLang="en-US"/>
           </a:p>
@@ -755,7 +755,7 @@
           <a:p>
             <a:fld id="{E814908E-AF34-423E-A8AA-D9B02B1A5782}" type="datetimeFigureOut">
               <a:rPr lang="ko-KR" altLang="en-US" smtClean="0"/>
-              <a:t>2020-03-01</a:t>
+              <a:t>2020-03-03</a:t>
             </a:fld>
             <a:endParaRPr lang="ko-KR" altLang="en-US"/>
           </a:p>
@@ -1000,7 +1000,7 @@
           <a:p>
             <a:fld id="{E814908E-AF34-423E-A8AA-D9B02B1A5782}" type="datetimeFigureOut">
               <a:rPr lang="ko-KR" altLang="en-US" smtClean="0"/>
-              <a:t>2020-03-01</a:t>
+              <a:t>2020-03-03</a:t>
             </a:fld>
             <a:endParaRPr lang="ko-KR" altLang="en-US"/>
           </a:p>
@@ -1229,7 +1229,7 @@
           <a:p>
             <a:fld id="{E814908E-AF34-423E-A8AA-D9B02B1A5782}" type="datetimeFigureOut">
               <a:rPr lang="ko-KR" altLang="en-US" smtClean="0"/>
-              <a:t>2020-03-01</a:t>
+              <a:t>2020-03-03</a:t>
             </a:fld>
             <a:endParaRPr lang="ko-KR" altLang="en-US"/>
           </a:p>
@@ -1593,7 +1593,7 @@
           <a:p>
             <a:fld id="{E814908E-AF34-423E-A8AA-D9B02B1A5782}" type="datetimeFigureOut">
               <a:rPr lang="ko-KR" altLang="en-US" smtClean="0"/>
-              <a:t>2020-03-01</a:t>
+              <a:t>2020-03-03</a:t>
             </a:fld>
             <a:endParaRPr lang="ko-KR" altLang="en-US"/>
           </a:p>
@@ -1710,7 +1710,7 @@
           <a:p>
             <a:fld id="{E814908E-AF34-423E-A8AA-D9B02B1A5782}" type="datetimeFigureOut">
               <a:rPr lang="ko-KR" altLang="en-US" smtClean="0"/>
-              <a:t>2020-03-01</a:t>
+              <a:t>2020-03-03</a:t>
             </a:fld>
             <a:endParaRPr lang="ko-KR" altLang="en-US"/>
           </a:p>
@@ -1805,7 +1805,7 @@
           <a:p>
             <a:fld id="{E814908E-AF34-423E-A8AA-D9B02B1A5782}" type="datetimeFigureOut">
               <a:rPr lang="ko-KR" altLang="en-US" smtClean="0"/>
-              <a:t>2020-03-01</a:t>
+              <a:t>2020-03-03</a:t>
             </a:fld>
             <a:endParaRPr lang="ko-KR" altLang="en-US"/>
           </a:p>
@@ -2080,7 +2080,7 @@
           <a:p>
             <a:fld id="{E814908E-AF34-423E-A8AA-D9B02B1A5782}" type="datetimeFigureOut">
               <a:rPr lang="ko-KR" altLang="en-US" smtClean="0"/>
-              <a:t>2020-03-01</a:t>
+              <a:t>2020-03-03</a:t>
             </a:fld>
             <a:endParaRPr lang="ko-KR" altLang="en-US"/>
           </a:p>
@@ -2332,7 +2332,7 @@
           <a:p>
             <a:fld id="{E814908E-AF34-423E-A8AA-D9B02B1A5782}" type="datetimeFigureOut">
               <a:rPr lang="ko-KR" altLang="en-US" smtClean="0"/>
-              <a:t>2020-03-01</a:t>
+              <a:t>2020-03-03</a:t>
             </a:fld>
             <a:endParaRPr lang="ko-KR" altLang="en-US"/>
           </a:p>
@@ -2543,7 +2543,7 @@
           <a:p>
             <a:fld id="{E814908E-AF34-423E-A8AA-D9B02B1A5782}" type="datetimeFigureOut">
               <a:rPr lang="ko-KR" altLang="en-US" smtClean="0"/>
-              <a:t>2020-03-01</a:t>
+              <a:t>2020-03-03</a:t>
             </a:fld>
             <a:endParaRPr lang="ko-KR" altLang="en-US"/>
           </a:p>
@@ -3274,7 +3274,7 @@
         </p:nvGrpSpPr>
         <p:grpSpPr>
           <a:xfrm>
-            <a:off x="1606714" y="3429000"/>
+            <a:off x="1660879" y="2506928"/>
             <a:ext cx="2542915" cy="1489274"/>
             <a:chOff x="4254132" y="3683726"/>
             <a:chExt cx="2542915" cy="1489274"/>
@@ -3355,7 +3355,7 @@
         </p:blipFill>
         <p:spPr>
           <a:xfrm>
-            <a:off x="6744297" y="3542603"/>
+            <a:off x="8479964" y="2409128"/>
             <a:ext cx="1415151" cy="1489274"/>
           </a:xfrm>
           <a:prstGeom prst="rect">
@@ -3377,7 +3377,7 @@
         </p:nvSpPr>
         <p:spPr>
           <a:xfrm rot="5400000">
-            <a:off x="5352378" y="4488590"/>
+            <a:off x="7088045" y="3355115"/>
             <a:ext cx="438151" cy="115526"/>
           </a:xfrm>
           <a:prstGeom prst="hexagon">
@@ -3432,7 +3432,7 @@
         </p:nvSpPr>
         <p:spPr>
           <a:xfrm rot="5400000">
-            <a:off x="5824105" y="4495298"/>
+            <a:off x="7559772" y="3361823"/>
             <a:ext cx="391791" cy="106151"/>
           </a:xfrm>
           <a:prstGeom prst="hexagon">
@@ -3487,7 +3487,7 @@
         </p:nvSpPr>
         <p:spPr>
           <a:xfrm rot="5400000">
-            <a:off x="5338607" y="4044543"/>
+            <a:off x="7074274" y="2911068"/>
             <a:ext cx="451900" cy="106152"/>
           </a:xfrm>
           <a:prstGeom prst="hexagon">
@@ -3542,7 +3542,7 @@
         </p:nvSpPr>
         <p:spPr>
           <a:xfrm rot="5400000">
-            <a:off x="5808090" y="4039957"/>
+            <a:off x="7543757" y="2906482"/>
             <a:ext cx="425641" cy="106151"/>
           </a:xfrm>
           <a:prstGeom prst="hexagon">
@@ -3597,7 +3597,7 @@
         </p:nvSpPr>
         <p:spPr>
           <a:xfrm rot="10800000">
-            <a:off x="5564557" y="3812422"/>
+            <a:off x="7300224" y="2678947"/>
             <a:ext cx="438151" cy="115526"/>
           </a:xfrm>
           <a:prstGeom prst="hexagon">
@@ -3652,7 +3652,7 @@
         </p:nvSpPr>
         <p:spPr>
           <a:xfrm rot="10800000">
-            <a:off x="5566297" y="4703964"/>
+            <a:off x="7301964" y="3570489"/>
             <a:ext cx="438151" cy="115526"/>
           </a:xfrm>
           <a:prstGeom prst="hexagon">
@@ -3707,7 +3707,7 @@
         </p:nvSpPr>
         <p:spPr>
           <a:xfrm rot="10800000">
-            <a:off x="6199060" y="4269514"/>
+            <a:off x="7934727" y="3136039"/>
             <a:ext cx="438151" cy="115526"/>
           </a:xfrm>
           <a:prstGeom prst="hexagon">
@@ -3762,7 +3762,7 @@
         </p:nvSpPr>
         <p:spPr>
           <a:xfrm>
-            <a:off x="5510860" y="4623631"/>
+            <a:off x="7246527" y="3490156"/>
             <a:ext cx="213546" cy="198532"/>
           </a:xfrm>
           <a:prstGeom prst="rtTriangle">
@@ -3814,7 +3814,7 @@
         </p:nvSpPr>
         <p:spPr>
           <a:xfrm rot="5400000">
-            <a:off x="5503353" y="3819459"/>
+            <a:off x="7239020" y="2685984"/>
             <a:ext cx="213546" cy="198532"/>
           </a:xfrm>
           <a:prstGeom prst="rtTriangle">
